--- a/sessions/slides/GBS_day3_slides.pptx
+++ b/sessions/slides/GBS_day3_slides.pptx
@@ -10,11 +10,9 @@
     <p:sldId id="258" r:id="rId4"/>
     <p:sldId id="260" r:id="rId5"/>
     <p:sldId id="259" r:id="rId6"/>
-    <p:sldId id="266" r:id="rId7"/>
-    <p:sldId id="264" r:id="rId8"/>
-    <p:sldId id="265" r:id="rId9"/>
-    <p:sldId id="262" r:id="rId10"/>
-    <p:sldId id="263" r:id="rId11"/>
+    <p:sldId id="265" r:id="rId7"/>
+    <p:sldId id="262" r:id="rId8"/>
+    <p:sldId id="263" r:id="rId9"/>
   </p:sldIdLst>
   <p:sldSz cx="12192000" cy="6858000"/>
   <p:notesSz cx="6858000" cy="9144000"/>
@@ -3409,264 +3407,6 @@
 </p:sld>
 </file>
 
-<file path=ppt/slides/slide10.xml><?xml version="1.0" encoding="utf-8"?>
-<p:sld xmlns:a="http://schemas.openxmlformats.org/drawingml/2006/main" xmlns:r="http://schemas.openxmlformats.org/officeDocument/2006/relationships" xmlns:p="http://schemas.openxmlformats.org/presentationml/2006/main">
-  <p:cSld>
-    <p:spTree>
-      <p:nvGrpSpPr>
-        <p:cNvPr id="1" name=""/>
-        <p:cNvGrpSpPr/>
-        <p:nvPr/>
-      </p:nvGrpSpPr>
-      <p:grpSpPr>
-        <a:xfrm>
-          <a:off x="0" y="0"/>
-          <a:ext cx="0" cy="0"/>
-          <a:chOff x="0" y="0"/>
-          <a:chExt cx="0" cy="0"/>
-        </a:xfrm>
-      </p:grpSpPr>
-      <p:sp>
-        <p:nvSpPr>
-          <p:cNvPr id="8" name="TextBox 7">
-            <a:extLst>
-              <a:ext uri="{FF2B5EF4-FFF2-40B4-BE49-F238E27FC236}">
-                <a16:creationId xmlns:a16="http://schemas.microsoft.com/office/drawing/2014/main" id="{FA8AFCEF-2F35-B843-8EC8-972FA697C310}"/>
-              </a:ext>
-            </a:extLst>
-          </p:cNvPr>
-          <p:cNvSpPr txBox="1"/>
-          <p:nvPr/>
-        </p:nvSpPr>
-        <p:spPr>
-          <a:xfrm>
-            <a:off x="2859315" y="4120577"/>
-            <a:ext cx="3211520" cy="830997"/>
-          </a:xfrm>
-          <a:prstGeom prst="rect">
-            <a:avLst/>
-          </a:prstGeom>
-          <a:noFill/>
-        </p:spPr>
-        <p:txBody>
-          <a:bodyPr wrap="none" rtlCol="0">
-            <a:spAutoFit/>
-          </a:bodyPr>
-          <a:lstStyle/>
-          <a:p>
-            <a:r>
-              <a:rPr lang="en-US" sz="4800" b="1" dirty="0"/>
-              <a:t>Populations</a:t>
-            </a:r>
-          </a:p>
-        </p:txBody>
-      </p:sp>
-      <p:sp>
-        <p:nvSpPr>
-          <p:cNvPr id="14" name="TextBox 13">
-            <a:extLst>
-              <a:ext uri="{FF2B5EF4-FFF2-40B4-BE49-F238E27FC236}">
-                <a16:creationId xmlns:a16="http://schemas.microsoft.com/office/drawing/2014/main" id="{7C1D6B8E-0174-0543-976F-C5ED29A4CDB6}"/>
-              </a:ext>
-            </a:extLst>
-          </p:cNvPr>
-          <p:cNvSpPr txBox="1"/>
-          <p:nvPr/>
-        </p:nvSpPr>
-        <p:spPr>
-          <a:xfrm>
-            <a:off x="6240176" y="4046525"/>
-            <a:ext cx="4585614" cy="1200329"/>
-          </a:xfrm>
-          <a:prstGeom prst="rect">
-            <a:avLst/>
-          </a:prstGeom>
-          <a:noFill/>
-        </p:spPr>
-        <p:txBody>
-          <a:bodyPr wrap="none" rtlCol="0">
-            <a:spAutoFit/>
-          </a:bodyPr>
-          <a:lstStyle/>
-          <a:p>
-            <a:r>
-              <a:rPr lang="en-US" sz="3600" dirty="0"/>
-              <a:t>Filter loci and compute </a:t>
-            </a:r>
-          </a:p>
-          <a:p>
-            <a:r>
-              <a:rPr lang="en-US" sz="3600" dirty="0"/>
-              <a:t>Population statistics</a:t>
-            </a:r>
-          </a:p>
-        </p:txBody>
-      </p:sp>
-      <p:cxnSp>
-        <p:nvCxnSpPr>
-          <p:cNvPr id="16" name="Straight Arrow Connector 15">
-            <a:extLst>
-              <a:ext uri="{FF2B5EF4-FFF2-40B4-BE49-F238E27FC236}">
-                <a16:creationId xmlns:a16="http://schemas.microsoft.com/office/drawing/2014/main" id="{7FE41D45-D148-464F-BAD0-9BBB9B890F12}"/>
-              </a:ext>
-            </a:extLst>
-          </p:cNvPr>
-          <p:cNvCxnSpPr/>
-          <p:nvPr/>
-        </p:nvCxnSpPr>
-        <p:spPr>
-          <a:xfrm>
-            <a:off x="1175657" y="595086"/>
-            <a:ext cx="0" cy="5558971"/>
-          </a:xfrm>
-          <a:prstGeom prst="straightConnector1">
-            <a:avLst/>
-          </a:prstGeom>
-          <a:ln w="79375">
-            <a:tailEnd type="triangle"/>
-          </a:ln>
-        </p:spPr>
-        <p:style>
-          <a:lnRef idx="1">
-            <a:schemeClr val="accent1"/>
-          </a:lnRef>
-          <a:fillRef idx="0">
-            <a:schemeClr val="accent1"/>
-          </a:fillRef>
-          <a:effectRef idx="0">
-            <a:schemeClr val="accent1"/>
-          </a:effectRef>
-          <a:fontRef idx="minor">
-            <a:schemeClr val="tx1"/>
-          </a:fontRef>
-        </p:style>
-      </p:cxnSp>
-      <p:sp>
-        <p:nvSpPr>
-          <p:cNvPr id="17" name="TextBox 16">
-            <a:extLst>
-              <a:ext uri="{FF2B5EF4-FFF2-40B4-BE49-F238E27FC236}">
-                <a16:creationId xmlns:a16="http://schemas.microsoft.com/office/drawing/2014/main" id="{C9239711-E423-944A-AFC4-C103A342A41F}"/>
-              </a:ext>
-            </a:extLst>
-          </p:cNvPr>
-          <p:cNvSpPr txBox="1"/>
-          <p:nvPr/>
-        </p:nvSpPr>
-        <p:spPr>
-          <a:xfrm>
-            <a:off x="8868231" y="85092"/>
-            <a:ext cx="3356945" cy="584775"/>
-          </a:xfrm>
-          <a:prstGeom prst="rect">
-            <a:avLst/>
-          </a:prstGeom>
-          <a:noFill/>
-        </p:spPr>
-        <p:txBody>
-          <a:bodyPr wrap="none" rtlCol="0">
-            <a:spAutoFit/>
-          </a:bodyPr>
-          <a:lstStyle/>
-          <a:p>
-            <a:r>
-              <a:rPr lang="en-US" sz="3200" b="1" dirty="0"/>
-              <a:t>Reference pipeline</a:t>
-            </a:r>
-          </a:p>
-        </p:txBody>
-      </p:sp>
-      <p:sp>
-        <p:nvSpPr>
-          <p:cNvPr id="18" name="TextBox 17">
-            <a:extLst>
-              <a:ext uri="{FF2B5EF4-FFF2-40B4-BE49-F238E27FC236}">
-                <a16:creationId xmlns:a16="http://schemas.microsoft.com/office/drawing/2014/main" id="{E4BA2BFE-845F-3F43-A61E-2320A98000F5}"/>
-              </a:ext>
-            </a:extLst>
-          </p:cNvPr>
-          <p:cNvSpPr txBox="1"/>
-          <p:nvPr/>
-        </p:nvSpPr>
-        <p:spPr>
-          <a:xfrm flipH="1">
-            <a:off x="503750" y="1087155"/>
-            <a:ext cx="473587" cy="4031873"/>
-          </a:xfrm>
-          <a:prstGeom prst="rect">
-            <a:avLst/>
-          </a:prstGeom>
-          <a:noFill/>
-        </p:spPr>
-        <p:txBody>
-          <a:bodyPr wrap="square" rtlCol="0">
-            <a:spAutoFit/>
-          </a:bodyPr>
-          <a:lstStyle/>
-          <a:p>
-            <a:r>
-              <a:rPr lang="en-US" sz="3200" b="1" dirty="0" err="1"/>
-              <a:t>Pipel</a:t>
-            </a:r>
-            <a:endParaRPr lang="en-US" sz="3200" b="1" dirty="0"/>
-          </a:p>
-          <a:p>
-            <a:r>
-              <a:rPr lang="en-US" sz="3200" b="1" dirty="0" err="1"/>
-              <a:t>ine</a:t>
-            </a:r>
-            <a:endParaRPr lang="en-US" sz="3200" b="1" dirty="0"/>
-          </a:p>
-        </p:txBody>
-      </p:sp>
-      <p:sp>
-        <p:nvSpPr>
-          <p:cNvPr id="2" name="TextBox 1">
-            <a:extLst>
-              <a:ext uri="{FF2B5EF4-FFF2-40B4-BE49-F238E27FC236}">
-                <a16:creationId xmlns:a16="http://schemas.microsoft.com/office/drawing/2014/main" id="{B65C4EEF-4712-734F-A6B3-D216318D9420}"/>
-              </a:ext>
-            </a:extLst>
-          </p:cNvPr>
-          <p:cNvSpPr txBox="1"/>
-          <p:nvPr/>
-        </p:nvSpPr>
-        <p:spPr>
-          <a:xfrm>
-            <a:off x="3614057" y="1451429"/>
-            <a:ext cx="5878853" cy="584775"/>
-          </a:xfrm>
-          <a:prstGeom prst="rect">
-            <a:avLst/>
-          </a:prstGeom>
-          <a:noFill/>
-        </p:spPr>
-        <p:txBody>
-          <a:bodyPr wrap="none" rtlCol="0">
-            <a:spAutoFit/>
-          </a:bodyPr>
-          <a:lstStyle/>
-          <a:p>
-            <a:r>
-              <a:rPr lang="en-US" sz="3200" b="1" dirty="0"/>
-              <a:t>Alignment to a reference genome</a:t>
-            </a:r>
-          </a:p>
-        </p:txBody>
-      </p:sp>
-    </p:spTree>
-    <p:extLst>
-      <p:ext uri="{BB962C8B-B14F-4D97-AF65-F5344CB8AC3E}">
-        <p14:creationId xmlns:p14="http://schemas.microsoft.com/office/powerpoint/2010/main" val="1074836592"/>
-      </p:ext>
-    </p:extLst>
-  </p:cSld>
-  <p:clrMapOvr>
-    <a:masterClrMapping/>
-  </p:clrMapOvr>
-</p:sld>
-</file>
-
 <file path=ppt/slides/slide2.xml><?xml version="1.0" encoding="utf-8"?>
 <p:sld xmlns:a="http://schemas.openxmlformats.org/drawingml/2006/main" xmlns:r="http://schemas.openxmlformats.org/officeDocument/2006/relationships" xmlns:p="http://schemas.openxmlformats.org/presentationml/2006/main">
   <p:cSld>
@@ -5036,572 +4776,6 @@
 </file>
 
 <file path=ppt/slides/slide6.xml><?xml version="1.0" encoding="utf-8"?>
-<p:sld xmlns:a="http://schemas.openxmlformats.org/drawingml/2006/main" xmlns:r="http://schemas.openxmlformats.org/officeDocument/2006/relationships" xmlns:p="http://schemas.openxmlformats.org/presentationml/2006/main">
-  <p:cSld>
-    <p:spTree>
-      <p:nvGrpSpPr>
-        <p:cNvPr id="1" name=""/>
-        <p:cNvGrpSpPr/>
-        <p:nvPr/>
-      </p:nvGrpSpPr>
-      <p:grpSpPr>
-        <a:xfrm>
-          <a:off x="0" y="0"/>
-          <a:ext cx="0" cy="0"/>
-          <a:chOff x="0" y="0"/>
-          <a:chExt cx="0" cy="0"/>
-        </a:xfrm>
-      </p:grpSpPr>
-      <p:pic>
-        <p:nvPicPr>
-          <p:cNvPr id="2" name="Picture 1">
-            <a:extLst>
-              <a:ext uri="{FF2B5EF4-FFF2-40B4-BE49-F238E27FC236}">
-                <a16:creationId xmlns:a16="http://schemas.microsoft.com/office/drawing/2014/main" id="{88624C41-1525-9246-AB40-05DCD1250935}"/>
-              </a:ext>
-            </a:extLst>
-          </p:cNvPr>
-          <p:cNvPicPr>
-            <a:picLocks noChangeAspect="1"/>
-          </p:cNvPicPr>
-          <p:nvPr/>
-        </p:nvPicPr>
-        <p:blipFill rotWithShape="1">
-          <a:blip r:embed="rId2"/>
-          <a:srcRect b="36298"/>
-          <a:stretch/>
-        </p:blipFill>
-        <p:spPr>
-          <a:xfrm>
-            <a:off x="201804" y="825499"/>
-            <a:ext cx="11788392" cy="5749472"/>
-          </a:xfrm>
-          <a:prstGeom prst="rect">
-            <a:avLst/>
-          </a:prstGeom>
-        </p:spPr>
-      </p:pic>
-      <p:sp>
-        <p:nvSpPr>
-          <p:cNvPr id="3" name="TextBox 2">
-            <a:extLst>
-              <a:ext uri="{FF2B5EF4-FFF2-40B4-BE49-F238E27FC236}">
-                <a16:creationId xmlns:a16="http://schemas.microsoft.com/office/drawing/2014/main" id="{A31CA4E1-5723-D84D-A8ED-959566B62338}"/>
-              </a:ext>
-            </a:extLst>
-          </p:cNvPr>
-          <p:cNvSpPr txBox="1"/>
-          <p:nvPr/>
-        </p:nvSpPr>
-        <p:spPr>
-          <a:xfrm>
-            <a:off x="201804" y="2583543"/>
-            <a:ext cx="439544" cy="369332"/>
-          </a:xfrm>
-          <a:prstGeom prst="rect">
-            <a:avLst/>
-          </a:prstGeom>
-          <a:noFill/>
-        </p:spPr>
-        <p:txBody>
-          <a:bodyPr wrap="none" rtlCol="0">
-            <a:spAutoFit/>
-          </a:bodyPr>
-          <a:lstStyle/>
-          <a:p>
-            <a:r>
-              <a:rPr lang="en-US" b="1" dirty="0"/>
-              <a:t>-m</a:t>
-            </a:r>
-          </a:p>
-        </p:txBody>
-      </p:sp>
-      <p:sp>
-        <p:nvSpPr>
-          <p:cNvPr id="4" name="TextBox 3">
-            <a:extLst>
-              <a:ext uri="{FF2B5EF4-FFF2-40B4-BE49-F238E27FC236}">
-                <a16:creationId xmlns:a16="http://schemas.microsoft.com/office/drawing/2014/main" id="{FBA530FA-D64B-294A-AFA0-118D0CC4CE36}"/>
-              </a:ext>
-            </a:extLst>
-          </p:cNvPr>
-          <p:cNvSpPr txBox="1"/>
-          <p:nvPr/>
-        </p:nvSpPr>
-        <p:spPr>
-          <a:xfrm>
-            <a:off x="354204" y="2735943"/>
-            <a:ext cx="439544" cy="369332"/>
-          </a:xfrm>
-          <a:prstGeom prst="rect">
-            <a:avLst/>
-          </a:prstGeom>
-          <a:noFill/>
-        </p:spPr>
-        <p:txBody>
-          <a:bodyPr wrap="none" rtlCol="0">
-            <a:spAutoFit/>
-          </a:bodyPr>
-          <a:lstStyle/>
-          <a:p>
-            <a:r>
-              <a:rPr lang="en-US" b="1" dirty="0"/>
-              <a:t>-m</a:t>
-            </a:r>
-          </a:p>
-        </p:txBody>
-      </p:sp>
-    </p:spTree>
-    <p:extLst>
-      <p:ext uri="{BB962C8B-B14F-4D97-AF65-F5344CB8AC3E}">
-        <p14:creationId xmlns:p14="http://schemas.microsoft.com/office/powerpoint/2010/main" val="540005576"/>
-      </p:ext>
-    </p:extLst>
-  </p:cSld>
-  <p:clrMapOvr>
-    <a:masterClrMapping/>
-  </p:clrMapOvr>
-</p:sld>
-</file>
-
-<file path=ppt/slides/slide7.xml><?xml version="1.0" encoding="utf-8"?>
-<p:sld xmlns:a="http://schemas.openxmlformats.org/drawingml/2006/main" xmlns:r="http://schemas.openxmlformats.org/officeDocument/2006/relationships" xmlns:p="http://schemas.openxmlformats.org/presentationml/2006/main">
-  <p:cSld>
-    <p:spTree>
-      <p:nvGrpSpPr>
-        <p:cNvPr id="1" name=""/>
-        <p:cNvGrpSpPr/>
-        <p:nvPr/>
-      </p:nvGrpSpPr>
-      <p:grpSpPr>
-        <a:xfrm>
-          <a:off x="0" y="0"/>
-          <a:ext cx="0" cy="0"/>
-          <a:chOff x="0" y="0"/>
-          <a:chExt cx="0" cy="0"/>
-        </a:xfrm>
-      </p:grpSpPr>
-      <p:sp>
-        <p:nvSpPr>
-          <p:cNvPr id="5" name="TextBox 4">
-            <a:extLst>
-              <a:ext uri="{FF2B5EF4-FFF2-40B4-BE49-F238E27FC236}">
-                <a16:creationId xmlns:a16="http://schemas.microsoft.com/office/drawing/2014/main" id="{9F729824-989D-1B43-A427-4D5BEABDE321}"/>
-              </a:ext>
-            </a:extLst>
-          </p:cNvPr>
-          <p:cNvSpPr txBox="1"/>
-          <p:nvPr/>
-        </p:nvSpPr>
-        <p:spPr>
-          <a:xfrm>
-            <a:off x="2987158" y="841825"/>
-            <a:ext cx="2444452" cy="830997"/>
-          </a:xfrm>
-          <a:prstGeom prst="rect">
-            <a:avLst/>
-          </a:prstGeom>
-          <a:noFill/>
-        </p:spPr>
-        <p:txBody>
-          <a:bodyPr wrap="none" rtlCol="0">
-            <a:spAutoFit/>
-          </a:bodyPr>
-          <a:lstStyle/>
-          <a:p>
-            <a:r>
-              <a:rPr lang="en-US" sz="4800" b="1" dirty="0"/>
-              <a:t>USTACKS</a:t>
-            </a:r>
-          </a:p>
-        </p:txBody>
-      </p:sp>
-      <p:sp>
-        <p:nvSpPr>
-          <p:cNvPr id="6" name="TextBox 5">
-            <a:extLst>
-              <a:ext uri="{FF2B5EF4-FFF2-40B4-BE49-F238E27FC236}">
-                <a16:creationId xmlns:a16="http://schemas.microsoft.com/office/drawing/2014/main" id="{082FF22E-3502-664F-98C2-835E8E07E1B6}"/>
-              </a:ext>
-            </a:extLst>
-          </p:cNvPr>
-          <p:cNvSpPr txBox="1"/>
-          <p:nvPr/>
-        </p:nvSpPr>
-        <p:spPr>
-          <a:xfrm>
-            <a:off x="2987158" y="1625764"/>
-            <a:ext cx="2367508" cy="830997"/>
-          </a:xfrm>
-          <a:prstGeom prst="rect">
-            <a:avLst/>
-          </a:prstGeom>
-          <a:noFill/>
-        </p:spPr>
-        <p:txBody>
-          <a:bodyPr wrap="none" rtlCol="0">
-            <a:spAutoFit/>
-          </a:bodyPr>
-          <a:lstStyle/>
-          <a:p>
-            <a:r>
-              <a:rPr lang="en-US" sz="4800" b="1" dirty="0"/>
-              <a:t>CSTACKS</a:t>
-            </a:r>
-          </a:p>
-        </p:txBody>
-      </p:sp>
-      <p:sp>
-        <p:nvSpPr>
-          <p:cNvPr id="7" name="TextBox 6">
-            <a:extLst>
-              <a:ext uri="{FF2B5EF4-FFF2-40B4-BE49-F238E27FC236}">
-                <a16:creationId xmlns:a16="http://schemas.microsoft.com/office/drawing/2014/main" id="{579477D8-4357-9D4A-A8EF-A1FDE00DD4FA}"/>
-              </a:ext>
-            </a:extLst>
-          </p:cNvPr>
-          <p:cNvSpPr txBox="1"/>
-          <p:nvPr/>
-        </p:nvSpPr>
-        <p:spPr>
-          <a:xfrm>
-            <a:off x="2987158" y="2413906"/>
-            <a:ext cx="2333844" cy="830997"/>
-          </a:xfrm>
-          <a:prstGeom prst="rect">
-            <a:avLst/>
-          </a:prstGeom>
-          <a:noFill/>
-        </p:spPr>
-        <p:txBody>
-          <a:bodyPr wrap="none" rtlCol="0">
-            <a:spAutoFit/>
-          </a:bodyPr>
-          <a:lstStyle/>
-          <a:p>
-            <a:r>
-              <a:rPr lang="en-US" sz="4800" b="1" dirty="0"/>
-              <a:t>SSTACKS</a:t>
-            </a:r>
-          </a:p>
-        </p:txBody>
-      </p:sp>
-      <p:sp>
-        <p:nvSpPr>
-          <p:cNvPr id="8" name="TextBox 7">
-            <a:extLst>
-              <a:ext uri="{FF2B5EF4-FFF2-40B4-BE49-F238E27FC236}">
-                <a16:creationId xmlns:a16="http://schemas.microsoft.com/office/drawing/2014/main" id="{FA8AFCEF-2F35-B843-8EC8-972FA697C310}"/>
-              </a:ext>
-            </a:extLst>
-          </p:cNvPr>
-          <p:cNvSpPr txBox="1"/>
-          <p:nvPr/>
-        </p:nvSpPr>
-        <p:spPr>
-          <a:xfrm>
-            <a:off x="2859315" y="4120577"/>
-            <a:ext cx="3211520" cy="830997"/>
-          </a:xfrm>
-          <a:prstGeom prst="rect">
-            <a:avLst/>
-          </a:prstGeom>
-          <a:noFill/>
-        </p:spPr>
-        <p:txBody>
-          <a:bodyPr wrap="none" rtlCol="0">
-            <a:spAutoFit/>
-          </a:bodyPr>
-          <a:lstStyle/>
-          <a:p>
-            <a:r>
-              <a:rPr lang="en-US" sz="4800" b="1" dirty="0"/>
-              <a:t>Populations</a:t>
-            </a:r>
-          </a:p>
-        </p:txBody>
-      </p:sp>
-      <p:sp>
-        <p:nvSpPr>
-          <p:cNvPr id="11" name="TextBox 10">
-            <a:extLst>
-              <a:ext uri="{FF2B5EF4-FFF2-40B4-BE49-F238E27FC236}">
-                <a16:creationId xmlns:a16="http://schemas.microsoft.com/office/drawing/2014/main" id="{FEB828A1-DC7B-014A-ABB2-3A32FE48FB9F}"/>
-              </a:ext>
-            </a:extLst>
-          </p:cNvPr>
-          <p:cNvSpPr txBox="1"/>
-          <p:nvPr/>
-        </p:nvSpPr>
-        <p:spPr>
-          <a:xfrm>
-            <a:off x="6070835" y="950149"/>
-            <a:ext cx="3498137" cy="646331"/>
-          </a:xfrm>
-          <a:prstGeom prst="rect">
-            <a:avLst/>
-          </a:prstGeom>
-          <a:noFill/>
-        </p:spPr>
-        <p:txBody>
-          <a:bodyPr wrap="none" rtlCol="0">
-            <a:spAutoFit/>
-          </a:bodyPr>
-          <a:lstStyle/>
-          <a:p>
-            <a:r>
-              <a:rPr lang="en-US" sz="3600" dirty="0"/>
-              <a:t>Build loci de novo</a:t>
-            </a:r>
-          </a:p>
-        </p:txBody>
-      </p:sp>
-      <p:sp>
-        <p:nvSpPr>
-          <p:cNvPr id="12" name="TextBox 11">
-            <a:extLst>
-              <a:ext uri="{FF2B5EF4-FFF2-40B4-BE49-F238E27FC236}">
-                <a16:creationId xmlns:a16="http://schemas.microsoft.com/office/drawing/2014/main" id="{30991E6C-16D2-AF46-BC60-DFBB2D878E0C}"/>
-              </a:ext>
-            </a:extLst>
-          </p:cNvPr>
-          <p:cNvSpPr txBox="1"/>
-          <p:nvPr/>
-        </p:nvSpPr>
-        <p:spPr>
-          <a:xfrm>
-            <a:off x="6070835" y="1688378"/>
-            <a:ext cx="3439403" cy="646331"/>
-          </a:xfrm>
-          <a:prstGeom prst="rect">
-            <a:avLst/>
-          </a:prstGeom>
-          <a:noFill/>
-        </p:spPr>
-        <p:txBody>
-          <a:bodyPr wrap="none" rtlCol="0">
-            <a:spAutoFit/>
-          </a:bodyPr>
-          <a:lstStyle/>
-          <a:p>
-            <a:r>
-              <a:rPr lang="en-US" sz="3600" dirty="0"/>
-              <a:t>Assemble catalog</a:t>
-            </a:r>
-          </a:p>
-        </p:txBody>
-      </p:sp>
-      <p:sp>
-        <p:nvSpPr>
-          <p:cNvPr id="13" name="TextBox 12">
-            <a:extLst>
-              <a:ext uri="{FF2B5EF4-FFF2-40B4-BE49-F238E27FC236}">
-                <a16:creationId xmlns:a16="http://schemas.microsoft.com/office/drawing/2014/main" id="{39DDE11D-D6F5-FC45-8813-C6774F9B548C}"/>
-              </a:ext>
-            </a:extLst>
-          </p:cNvPr>
-          <p:cNvSpPr txBox="1"/>
-          <p:nvPr/>
-        </p:nvSpPr>
-        <p:spPr>
-          <a:xfrm>
-            <a:off x="6129569" y="2456761"/>
-            <a:ext cx="3328796" cy="646331"/>
-          </a:xfrm>
-          <a:prstGeom prst="rect">
-            <a:avLst/>
-          </a:prstGeom>
-          <a:noFill/>
-        </p:spPr>
-        <p:txBody>
-          <a:bodyPr wrap="none" rtlCol="0">
-            <a:spAutoFit/>
-          </a:bodyPr>
-          <a:lstStyle/>
-          <a:p>
-            <a:r>
-              <a:rPr lang="en-US" sz="3600" dirty="0"/>
-              <a:t>Match to catalog</a:t>
-            </a:r>
-          </a:p>
-        </p:txBody>
-      </p:sp>
-      <p:sp>
-        <p:nvSpPr>
-          <p:cNvPr id="14" name="TextBox 13">
-            <a:extLst>
-              <a:ext uri="{FF2B5EF4-FFF2-40B4-BE49-F238E27FC236}">
-                <a16:creationId xmlns:a16="http://schemas.microsoft.com/office/drawing/2014/main" id="{7C1D6B8E-0174-0543-976F-C5ED29A4CDB6}"/>
-              </a:ext>
-            </a:extLst>
-          </p:cNvPr>
-          <p:cNvSpPr txBox="1"/>
-          <p:nvPr/>
-        </p:nvSpPr>
-        <p:spPr>
-          <a:xfrm>
-            <a:off x="6240176" y="4046525"/>
-            <a:ext cx="4585614" cy="1200329"/>
-          </a:xfrm>
-          <a:prstGeom prst="rect">
-            <a:avLst/>
-          </a:prstGeom>
-          <a:noFill/>
-        </p:spPr>
-        <p:txBody>
-          <a:bodyPr wrap="none" rtlCol="0">
-            <a:spAutoFit/>
-          </a:bodyPr>
-          <a:lstStyle/>
-          <a:p>
-            <a:r>
-              <a:rPr lang="en-US" sz="3600" dirty="0"/>
-              <a:t>Filter loci and compute </a:t>
-            </a:r>
-          </a:p>
-          <a:p>
-            <a:r>
-              <a:rPr lang="en-US" sz="3600" dirty="0"/>
-              <a:t>Population statistics</a:t>
-            </a:r>
-          </a:p>
-        </p:txBody>
-      </p:sp>
-      <p:cxnSp>
-        <p:nvCxnSpPr>
-          <p:cNvPr id="16" name="Straight Arrow Connector 15">
-            <a:extLst>
-              <a:ext uri="{FF2B5EF4-FFF2-40B4-BE49-F238E27FC236}">
-                <a16:creationId xmlns:a16="http://schemas.microsoft.com/office/drawing/2014/main" id="{7FE41D45-D148-464F-BAD0-9BBB9B890F12}"/>
-              </a:ext>
-            </a:extLst>
-          </p:cNvPr>
-          <p:cNvCxnSpPr/>
-          <p:nvPr/>
-        </p:nvCxnSpPr>
-        <p:spPr>
-          <a:xfrm>
-            <a:off x="1175657" y="595086"/>
-            <a:ext cx="0" cy="5558971"/>
-          </a:xfrm>
-          <a:prstGeom prst="straightConnector1">
-            <a:avLst/>
-          </a:prstGeom>
-          <a:ln w="79375">
-            <a:tailEnd type="triangle"/>
-          </a:ln>
-        </p:spPr>
-        <p:style>
-          <a:lnRef idx="1">
-            <a:schemeClr val="accent1"/>
-          </a:lnRef>
-          <a:fillRef idx="0">
-            <a:schemeClr val="accent1"/>
-          </a:fillRef>
-          <a:effectRef idx="0">
-            <a:schemeClr val="accent1"/>
-          </a:effectRef>
-          <a:fontRef idx="minor">
-            <a:schemeClr val="tx1"/>
-          </a:fontRef>
-        </p:style>
-      </p:cxnSp>
-      <p:sp>
-        <p:nvSpPr>
-          <p:cNvPr id="17" name="TextBox 16">
-            <a:extLst>
-              <a:ext uri="{FF2B5EF4-FFF2-40B4-BE49-F238E27FC236}">
-                <a16:creationId xmlns:a16="http://schemas.microsoft.com/office/drawing/2014/main" id="{C9239711-E423-944A-AFC4-C103A342A41F}"/>
-              </a:ext>
-            </a:extLst>
-          </p:cNvPr>
-          <p:cNvSpPr txBox="1"/>
-          <p:nvPr/>
-        </p:nvSpPr>
-        <p:spPr>
-          <a:xfrm>
-            <a:off x="8998857" y="85092"/>
-            <a:ext cx="2968890" cy="584775"/>
-          </a:xfrm>
-          <a:prstGeom prst="rect">
-            <a:avLst/>
-          </a:prstGeom>
-          <a:noFill/>
-        </p:spPr>
-        <p:txBody>
-          <a:bodyPr wrap="none" rtlCol="0">
-            <a:spAutoFit/>
-          </a:bodyPr>
-          <a:lstStyle/>
-          <a:p>
-            <a:r>
-              <a:rPr lang="en-US" sz="3200" b="1" dirty="0" err="1"/>
-              <a:t>Denovo</a:t>
-            </a:r>
-            <a:r>
-              <a:rPr lang="en-US" sz="3200" b="1" dirty="0"/>
-              <a:t> pipeline</a:t>
-            </a:r>
-          </a:p>
-        </p:txBody>
-      </p:sp>
-      <p:sp>
-        <p:nvSpPr>
-          <p:cNvPr id="18" name="TextBox 17">
-            <a:extLst>
-              <a:ext uri="{FF2B5EF4-FFF2-40B4-BE49-F238E27FC236}">
-                <a16:creationId xmlns:a16="http://schemas.microsoft.com/office/drawing/2014/main" id="{E4BA2BFE-845F-3F43-A61E-2320A98000F5}"/>
-              </a:ext>
-            </a:extLst>
-          </p:cNvPr>
-          <p:cNvSpPr txBox="1"/>
-          <p:nvPr/>
-        </p:nvSpPr>
-        <p:spPr>
-          <a:xfrm flipH="1">
-            <a:off x="503750" y="1087155"/>
-            <a:ext cx="473587" cy="4031873"/>
-          </a:xfrm>
-          <a:prstGeom prst="rect">
-            <a:avLst/>
-          </a:prstGeom>
-          <a:noFill/>
-        </p:spPr>
-        <p:txBody>
-          <a:bodyPr wrap="square" rtlCol="0">
-            <a:spAutoFit/>
-          </a:bodyPr>
-          <a:lstStyle/>
-          <a:p>
-            <a:r>
-              <a:rPr lang="en-US" sz="3200" b="1" dirty="0" err="1"/>
-              <a:t>Pipel</a:t>
-            </a:r>
-            <a:endParaRPr lang="en-US" sz="3200" b="1" dirty="0"/>
-          </a:p>
-          <a:p>
-            <a:r>
-              <a:rPr lang="en-US" sz="3200" b="1" dirty="0" err="1"/>
-              <a:t>ine</a:t>
-            </a:r>
-            <a:endParaRPr lang="en-US" sz="3200" b="1" dirty="0"/>
-          </a:p>
-        </p:txBody>
-      </p:sp>
-    </p:spTree>
-    <p:extLst>
-      <p:ext uri="{BB962C8B-B14F-4D97-AF65-F5344CB8AC3E}">
-        <p14:creationId xmlns:p14="http://schemas.microsoft.com/office/powerpoint/2010/main" val="3676015219"/>
-      </p:ext>
-    </p:extLst>
-  </p:cSld>
-  <p:clrMapOvr>
-    <a:masterClrMapping/>
-  </p:clrMapOvr>
-</p:sld>
-</file>
-
-<file path=ppt/slides/slide8.xml><?xml version="1.0" encoding="utf-8"?>
 <p:sld xmlns:a="http://schemas.openxmlformats.org/drawingml/2006/main" xmlns:r="http://schemas.openxmlformats.org/officeDocument/2006/relationships" xmlns:p="http://schemas.openxmlformats.org/presentationml/2006/main">
   <p:cSld>
     <p:spTree>
@@ -6971,7 +6145,7 @@
 </p:sld>
 </file>
 
-<file path=ppt/slides/slide9.xml><?xml version="1.0" encoding="utf-8"?>
+<file path=ppt/slides/slide7.xml><?xml version="1.0" encoding="utf-8"?>
 <p:sld xmlns:a="http://schemas.openxmlformats.org/drawingml/2006/main" xmlns:r="http://schemas.openxmlformats.org/officeDocument/2006/relationships" xmlns:p="http://schemas.openxmlformats.org/presentationml/2006/main">
   <p:cSld>
     <p:spTree>
@@ -7473,6 +6647,264 @@
     <p:extLst>
       <p:ext uri="{BB962C8B-B14F-4D97-AF65-F5344CB8AC3E}">
         <p14:creationId xmlns:p14="http://schemas.microsoft.com/office/powerpoint/2010/main" val="3817429976"/>
+      </p:ext>
+    </p:extLst>
+  </p:cSld>
+  <p:clrMapOvr>
+    <a:masterClrMapping/>
+  </p:clrMapOvr>
+</p:sld>
+</file>
+
+<file path=ppt/slides/slide8.xml><?xml version="1.0" encoding="utf-8"?>
+<p:sld xmlns:a="http://schemas.openxmlformats.org/drawingml/2006/main" xmlns:r="http://schemas.openxmlformats.org/officeDocument/2006/relationships" xmlns:p="http://schemas.openxmlformats.org/presentationml/2006/main">
+  <p:cSld>
+    <p:spTree>
+      <p:nvGrpSpPr>
+        <p:cNvPr id="1" name=""/>
+        <p:cNvGrpSpPr/>
+        <p:nvPr/>
+      </p:nvGrpSpPr>
+      <p:grpSpPr>
+        <a:xfrm>
+          <a:off x="0" y="0"/>
+          <a:ext cx="0" cy="0"/>
+          <a:chOff x="0" y="0"/>
+          <a:chExt cx="0" cy="0"/>
+        </a:xfrm>
+      </p:grpSpPr>
+      <p:sp>
+        <p:nvSpPr>
+          <p:cNvPr id="8" name="TextBox 7">
+            <a:extLst>
+              <a:ext uri="{FF2B5EF4-FFF2-40B4-BE49-F238E27FC236}">
+                <a16:creationId xmlns:a16="http://schemas.microsoft.com/office/drawing/2014/main" id="{FA8AFCEF-2F35-B843-8EC8-972FA697C310}"/>
+              </a:ext>
+            </a:extLst>
+          </p:cNvPr>
+          <p:cNvSpPr txBox="1"/>
+          <p:nvPr/>
+        </p:nvSpPr>
+        <p:spPr>
+          <a:xfrm>
+            <a:off x="2859315" y="4120577"/>
+            <a:ext cx="3211520" cy="830997"/>
+          </a:xfrm>
+          <a:prstGeom prst="rect">
+            <a:avLst/>
+          </a:prstGeom>
+          <a:noFill/>
+        </p:spPr>
+        <p:txBody>
+          <a:bodyPr wrap="none" rtlCol="0">
+            <a:spAutoFit/>
+          </a:bodyPr>
+          <a:lstStyle/>
+          <a:p>
+            <a:r>
+              <a:rPr lang="en-US" sz="4800" b="1" dirty="0"/>
+              <a:t>Populations</a:t>
+            </a:r>
+          </a:p>
+        </p:txBody>
+      </p:sp>
+      <p:sp>
+        <p:nvSpPr>
+          <p:cNvPr id="14" name="TextBox 13">
+            <a:extLst>
+              <a:ext uri="{FF2B5EF4-FFF2-40B4-BE49-F238E27FC236}">
+                <a16:creationId xmlns:a16="http://schemas.microsoft.com/office/drawing/2014/main" id="{7C1D6B8E-0174-0543-976F-C5ED29A4CDB6}"/>
+              </a:ext>
+            </a:extLst>
+          </p:cNvPr>
+          <p:cNvSpPr txBox="1"/>
+          <p:nvPr/>
+        </p:nvSpPr>
+        <p:spPr>
+          <a:xfrm>
+            <a:off x="6240176" y="4046525"/>
+            <a:ext cx="4585614" cy="1200329"/>
+          </a:xfrm>
+          <a:prstGeom prst="rect">
+            <a:avLst/>
+          </a:prstGeom>
+          <a:noFill/>
+        </p:spPr>
+        <p:txBody>
+          <a:bodyPr wrap="none" rtlCol="0">
+            <a:spAutoFit/>
+          </a:bodyPr>
+          <a:lstStyle/>
+          <a:p>
+            <a:r>
+              <a:rPr lang="en-US" sz="3600" dirty="0"/>
+              <a:t>Filter loci and compute </a:t>
+            </a:r>
+          </a:p>
+          <a:p>
+            <a:r>
+              <a:rPr lang="en-US" sz="3600" dirty="0"/>
+              <a:t>Population statistics</a:t>
+            </a:r>
+          </a:p>
+        </p:txBody>
+      </p:sp>
+      <p:cxnSp>
+        <p:nvCxnSpPr>
+          <p:cNvPr id="16" name="Straight Arrow Connector 15">
+            <a:extLst>
+              <a:ext uri="{FF2B5EF4-FFF2-40B4-BE49-F238E27FC236}">
+                <a16:creationId xmlns:a16="http://schemas.microsoft.com/office/drawing/2014/main" id="{7FE41D45-D148-464F-BAD0-9BBB9B890F12}"/>
+              </a:ext>
+            </a:extLst>
+          </p:cNvPr>
+          <p:cNvCxnSpPr/>
+          <p:nvPr/>
+        </p:nvCxnSpPr>
+        <p:spPr>
+          <a:xfrm>
+            <a:off x="1175657" y="595086"/>
+            <a:ext cx="0" cy="5558971"/>
+          </a:xfrm>
+          <a:prstGeom prst="straightConnector1">
+            <a:avLst/>
+          </a:prstGeom>
+          <a:ln w="79375">
+            <a:tailEnd type="triangle"/>
+          </a:ln>
+        </p:spPr>
+        <p:style>
+          <a:lnRef idx="1">
+            <a:schemeClr val="accent1"/>
+          </a:lnRef>
+          <a:fillRef idx="0">
+            <a:schemeClr val="accent1"/>
+          </a:fillRef>
+          <a:effectRef idx="0">
+            <a:schemeClr val="accent1"/>
+          </a:effectRef>
+          <a:fontRef idx="minor">
+            <a:schemeClr val="tx1"/>
+          </a:fontRef>
+        </p:style>
+      </p:cxnSp>
+      <p:sp>
+        <p:nvSpPr>
+          <p:cNvPr id="17" name="TextBox 16">
+            <a:extLst>
+              <a:ext uri="{FF2B5EF4-FFF2-40B4-BE49-F238E27FC236}">
+                <a16:creationId xmlns:a16="http://schemas.microsoft.com/office/drawing/2014/main" id="{C9239711-E423-944A-AFC4-C103A342A41F}"/>
+              </a:ext>
+            </a:extLst>
+          </p:cNvPr>
+          <p:cNvSpPr txBox="1"/>
+          <p:nvPr/>
+        </p:nvSpPr>
+        <p:spPr>
+          <a:xfrm>
+            <a:off x="8868231" y="85092"/>
+            <a:ext cx="3356945" cy="584775"/>
+          </a:xfrm>
+          <a:prstGeom prst="rect">
+            <a:avLst/>
+          </a:prstGeom>
+          <a:noFill/>
+        </p:spPr>
+        <p:txBody>
+          <a:bodyPr wrap="none" rtlCol="0">
+            <a:spAutoFit/>
+          </a:bodyPr>
+          <a:lstStyle/>
+          <a:p>
+            <a:r>
+              <a:rPr lang="en-US" sz="3200" b="1" dirty="0"/>
+              <a:t>Reference pipeline</a:t>
+            </a:r>
+          </a:p>
+        </p:txBody>
+      </p:sp>
+      <p:sp>
+        <p:nvSpPr>
+          <p:cNvPr id="18" name="TextBox 17">
+            <a:extLst>
+              <a:ext uri="{FF2B5EF4-FFF2-40B4-BE49-F238E27FC236}">
+                <a16:creationId xmlns:a16="http://schemas.microsoft.com/office/drawing/2014/main" id="{E4BA2BFE-845F-3F43-A61E-2320A98000F5}"/>
+              </a:ext>
+            </a:extLst>
+          </p:cNvPr>
+          <p:cNvSpPr txBox="1"/>
+          <p:nvPr/>
+        </p:nvSpPr>
+        <p:spPr>
+          <a:xfrm flipH="1">
+            <a:off x="503750" y="1087155"/>
+            <a:ext cx="473587" cy="4031873"/>
+          </a:xfrm>
+          <a:prstGeom prst="rect">
+            <a:avLst/>
+          </a:prstGeom>
+          <a:noFill/>
+        </p:spPr>
+        <p:txBody>
+          <a:bodyPr wrap="square" rtlCol="0">
+            <a:spAutoFit/>
+          </a:bodyPr>
+          <a:lstStyle/>
+          <a:p>
+            <a:r>
+              <a:rPr lang="en-US" sz="3200" b="1" dirty="0" err="1"/>
+              <a:t>Pipel</a:t>
+            </a:r>
+            <a:endParaRPr lang="en-US" sz="3200" b="1" dirty="0"/>
+          </a:p>
+          <a:p>
+            <a:r>
+              <a:rPr lang="en-US" sz="3200" b="1" dirty="0" err="1"/>
+              <a:t>ine</a:t>
+            </a:r>
+            <a:endParaRPr lang="en-US" sz="3200" b="1" dirty="0"/>
+          </a:p>
+        </p:txBody>
+      </p:sp>
+      <p:sp>
+        <p:nvSpPr>
+          <p:cNvPr id="2" name="TextBox 1">
+            <a:extLst>
+              <a:ext uri="{FF2B5EF4-FFF2-40B4-BE49-F238E27FC236}">
+                <a16:creationId xmlns:a16="http://schemas.microsoft.com/office/drawing/2014/main" id="{B65C4EEF-4712-734F-A6B3-D216318D9420}"/>
+              </a:ext>
+            </a:extLst>
+          </p:cNvPr>
+          <p:cNvSpPr txBox="1"/>
+          <p:nvPr/>
+        </p:nvSpPr>
+        <p:spPr>
+          <a:xfrm>
+            <a:off x="3614057" y="1451429"/>
+            <a:ext cx="5878853" cy="584775"/>
+          </a:xfrm>
+          <a:prstGeom prst="rect">
+            <a:avLst/>
+          </a:prstGeom>
+          <a:noFill/>
+        </p:spPr>
+        <p:txBody>
+          <a:bodyPr wrap="none" rtlCol="0">
+            <a:spAutoFit/>
+          </a:bodyPr>
+          <a:lstStyle/>
+          <a:p>
+            <a:r>
+              <a:rPr lang="en-US" sz="3200" b="1" dirty="0"/>
+              <a:t>Alignment to a reference genome</a:t>
+            </a:r>
+          </a:p>
+        </p:txBody>
+      </p:sp>
+    </p:spTree>
+    <p:extLst>
+      <p:ext uri="{BB962C8B-B14F-4D97-AF65-F5344CB8AC3E}">
+        <p14:creationId xmlns:p14="http://schemas.microsoft.com/office/powerpoint/2010/main" val="1074836592"/>
       </p:ext>
     </p:extLst>
   </p:cSld>
